--- a/docs/Multithreading Programming.pptx
+++ b/docs/Multithreading Programming.pptx
@@ -24,10 +24,6 @@
     <p:sldId id="273" r:id="rId18"/>
     <p:sldId id="274" r:id="rId19"/>
     <p:sldId id="275" r:id="rId20"/>
-    <p:sldId id="276" r:id="rId21"/>
-    <p:sldId id="277" r:id="rId22"/>
-    <p:sldId id="278" r:id="rId23"/>
-    <p:sldId id="279" r:id="rId24"/>
   </p:sldIdLst>
   <p:sldSz cx="12192000" cy="6858000"/>
   <p:notesSz cx="6858000" cy="9144000"/>
@@ -281,7 +277,7 @@
           <a:p>
             <a:fld id="{D93CB928-3707-4387-9223-6636869BF1D9}" type="datetimeFigureOut">
               <a:rPr lang="en-US" smtClean="0"/>
-              <a:t>4/9/2021</a:t>
+              <a:t>4/10/2021</a:t>
             </a:fld>
             <a:endParaRPr lang="en-US"/>
           </a:p>
@@ -479,7 +475,7 @@
           <a:p>
             <a:fld id="{D93CB928-3707-4387-9223-6636869BF1D9}" type="datetimeFigureOut">
               <a:rPr lang="en-US" smtClean="0"/>
-              <a:t>4/9/2021</a:t>
+              <a:t>4/10/2021</a:t>
             </a:fld>
             <a:endParaRPr lang="en-US"/>
           </a:p>
@@ -687,7 +683,7 @@
           <a:p>
             <a:fld id="{D93CB928-3707-4387-9223-6636869BF1D9}" type="datetimeFigureOut">
               <a:rPr lang="en-US" smtClean="0"/>
-              <a:t>4/9/2021</a:t>
+              <a:t>4/10/2021</a:t>
             </a:fld>
             <a:endParaRPr lang="en-US"/>
           </a:p>
@@ -885,7 +881,7 @@
           <a:p>
             <a:fld id="{D93CB928-3707-4387-9223-6636869BF1D9}" type="datetimeFigureOut">
               <a:rPr lang="en-US" smtClean="0"/>
-              <a:t>4/9/2021</a:t>
+              <a:t>4/10/2021</a:t>
             </a:fld>
             <a:endParaRPr lang="en-US"/>
           </a:p>
@@ -1160,7 +1156,7 @@
           <a:p>
             <a:fld id="{D93CB928-3707-4387-9223-6636869BF1D9}" type="datetimeFigureOut">
               <a:rPr lang="en-US" smtClean="0"/>
-              <a:t>4/9/2021</a:t>
+              <a:t>4/10/2021</a:t>
             </a:fld>
             <a:endParaRPr lang="en-US"/>
           </a:p>
@@ -1425,7 +1421,7 @@
           <a:p>
             <a:fld id="{D93CB928-3707-4387-9223-6636869BF1D9}" type="datetimeFigureOut">
               <a:rPr lang="en-US" smtClean="0"/>
-              <a:t>4/9/2021</a:t>
+              <a:t>4/10/2021</a:t>
             </a:fld>
             <a:endParaRPr lang="en-US"/>
           </a:p>
@@ -1837,7 +1833,7 @@
           <a:p>
             <a:fld id="{D93CB928-3707-4387-9223-6636869BF1D9}" type="datetimeFigureOut">
               <a:rPr lang="en-US" smtClean="0"/>
-              <a:t>4/9/2021</a:t>
+              <a:t>4/10/2021</a:t>
             </a:fld>
             <a:endParaRPr lang="en-US"/>
           </a:p>
@@ -1978,7 +1974,7 @@
           <a:p>
             <a:fld id="{D93CB928-3707-4387-9223-6636869BF1D9}" type="datetimeFigureOut">
               <a:rPr lang="en-US" smtClean="0"/>
-              <a:t>4/9/2021</a:t>
+              <a:t>4/10/2021</a:t>
             </a:fld>
             <a:endParaRPr lang="en-US"/>
           </a:p>
@@ -2091,7 +2087,7 @@
           <a:p>
             <a:fld id="{D93CB928-3707-4387-9223-6636869BF1D9}" type="datetimeFigureOut">
               <a:rPr lang="en-US" smtClean="0"/>
-              <a:t>4/9/2021</a:t>
+              <a:t>4/10/2021</a:t>
             </a:fld>
             <a:endParaRPr lang="en-US"/>
           </a:p>
@@ -2402,7 +2398,7 @@
           <a:p>
             <a:fld id="{D93CB928-3707-4387-9223-6636869BF1D9}" type="datetimeFigureOut">
               <a:rPr lang="en-US" smtClean="0"/>
-              <a:t>4/9/2021</a:t>
+              <a:t>4/10/2021</a:t>
             </a:fld>
             <a:endParaRPr lang="en-US"/>
           </a:p>
@@ -2690,7 +2686,7 @@
           <a:p>
             <a:fld id="{D93CB928-3707-4387-9223-6636869BF1D9}" type="datetimeFigureOut">
               <a:rPr lang="en-US" smtClean="0"/>
-              <a:t>4/9/2021</a:t>
+              <a:t>4/10/2021</a:t>
             </a:fld>
             <a:endParaRPr lang="en-US"/>
           </a:p>
@@ -2931,7 +2927,7 @@
           <a:p>
             <a:fld id="{D93CB928-3707-4387-9223-6636869BF1D9}" type="datetimeFigureOut">
               <a:rPr lang="en-US" smtClean="0"/>
-              <a:t>4/9/2021</a:t>
+              <a:t>4/10/2021</a:t>
             </a:fld>
             <a:endParaRPr lang="en-US"/>
           </a:p>
@@ -4153,7 +4149,7 @@
         <p:spPr>
           <a:xfrm>
             <a:off x="838199" y="1099336"/>
-            <a:ext cx="11090097" cy="923330"/>
+            <a:ext cx="11090097" cy="2308324"/>
           </a:xfrm>
           <a:prstGeom prst="rect">
             <a:avLst/>
@@ -4165,9 +4161,33 @@
           </a:bodyPr>
           <a:lstStyle/>
           <a:p>
+            <a:pPr marL="285750" indent="-285750">
+              <a:buFont typeface="Arial" panose="020B0604020202020204" pitchFamily="34" charset="0"/>
+              <a:buChar char="•"/>
+            </a:pPr>
             <a:r>
               <a:rPr lang="en-US" dirty="0"/>
-              <a:t>If we look into the Monitor class, all the methods such as </a:t>
+              <a:t>The first option to consider for synchronizing multithreaded use of shared state is the Monitor class. This is popular because it is efficient, it offers a straightforward model, and C# provides direct language support, making it very easy to use</a:t>
+            </a:r>
+          </a:p>
+          <a:p>
+            <a:pPr marL="285750" indent="-285750">
+              <a:buFont typeface="Arial" panose="020B0604020202020204" pitchFamily="34" charset="0"/>
+              <a:buChar char="•"/>
+            </a:pPr>
+            <a:r>
+              <a:rPr lang="en-US" dirty="0"/>
+              <a:t>lock keyword (which in turn uses the Monitor class) any time it either reads or modifies its internal state. This ensures that only one thread will be accessing that state at any one time</a:t>
+            </a:r>
+          </a:p>
+          <a:p>
+            <a:pPr marL="285750" indent="-285750">
+              <a:buFont typeface="Arial" panose="020B0604020202020204" pitchFamily="34" charset="0"/>
+              <a:buChar char="•"/>
+            </a:pPr>
+            <a:r>
+              <a:rPr lang="en-US" dirty="0"/>
+              <a:t>Each lock block turns into code that does three things: first, it calls </a:t>
             </a:r>
             <a:r>
               <a:rPr lang="en-US" dirty="0" err="1"/>
@@ -4175,7 +4195,7 @@
             </a:r>
             <a:r>
               <a:rPr lang="en-US" dirty="0"/>
-              <a:t> and </a:t>
+              <a:t>, passing the argument you provided to lock. Then it attempts to run the code in the block. Finally, it will usually call </a:t>
             </a:r>
             <a:r>
               <a:rPr lang="en-US" dirty="0" err="1"/>
@@ -4183,95 +4203,41 @@
             </a:r>
             <a:r>
               <a:rPr lang="en-US" dirty="0"/>
-              <a:t> operate on object references. Similarly to lock, Monitor also provides gated access to the resource; however, a developer will have greater control in terms of the API it provides.</a:t>
-            </a:r>
-          </a:p>
-        </p:txBody>
-      </p:sp>
-      <p:sp>
-        <p:nvSpPr>
-          <p:cNvPr id="7" name="Rectangle 6">
-            <a:extLst>
-              <a:ext uri="{FF2B5EF4-FFF2-40B4-BE49-F238E27FC236}">
-                <a16:creationId xmlns:a16="http://schemas.microsoft.com/office/drawing/2014/main" id="{F587906E-A904-49BC-92ED-60A42B64E81C}"/>
-              </a:ext>
-            </a:extLst>
-          </p:cNvPr>
-          <p:cNvSpPr/>
+              <a:t> once the block finishes.</a:t>
+            </a:r>
+          </a:p>
+        </p:txBody>
+      </p:sp>
+      <p:pic>
+        <p:nvPicPr>
+          <p:cNvPr id="6" name="Picture 5">
+            <a:extLst>
+              <a:ext uri="{FF2B5EF4-FFF2-40B4-BE49-F238E27FC236}">
+                <a16:creationId xmlns:a16="http://schemas.microsoft.com/office/drawing/2014/main" id="{A123B5BB-CFB2-49E6-818C-1CFBF6FE9F16}"/>
+              </a:ext>
+            </a:extLst>
+          </p:cNvPr>
+          <p:cNvPicPr>
+            <a:picLocks noChangeAspect="1"/>
+          </p:cNvPicPr>
           <p:nvPr/>
-        </p:nvSpPr>
+        </p:nvPicPr>
+        <p:blipFill>
+          <a:blip r:embed="rId2"/>
+          <a:stretch>
+            <a:fillRect/>
+          </a:stretch>
+        </p:blipFill>
         <p:spPr>
           <a:xfrm>
-            <a:off x="838198" y="2664449"/>
-            <a:ext cx="10381181" cy="646331"/>
+            <a:off x="2904392" y="3100588"/>
+            <a:ext cx="5438223" cy="3524672"/>
           </a:xfrm>
           <a:prstGeom prst="rect">
             <a:avLst/>
           </a:prstGeom>
         </p:spPr>
-        <p:txBody>
-          <a:bodyPr wrap="square">
-            <a:spAutoFit/>
-          </a:bodyPr>
-          <a:lstStyle/>
-          <a:p>
-            <a:r>
-              <a:rPr lang="en-US" dirty="0"/>
-              <a:t>To help us understand, let's take an example of a running Job whose task is to run the jobs added by multiple threads. If no job is present, it should wait for the threads to push and start executing them immediately.</a:t>
-            </a:r>
-          </a:p>
-        </p:txBody>
-      </p:sp>
-      <p:sp>
-        <p:nvSpPr>
-          <p:cNvPr id="8" name="Rectangle 7">
-            <a:extLst>
-              <a:ext uri="{FF2B5EF4-FFF2-40B4-BE49-F238E27FC236}">
-                <a16:creationId xmlns:a16="http://schemas.microsoft.com/office/drawing/2014/main" id="{08D9D1D2-1D33-4002-AF30-5266D39B4218}"/>
-              </a:ext>
-            </a:extLst>
-          </p:cNvPr>
-          <p:cNvSpPr/>
-          <p:nvPr/>
-        </p:nvSpPr>
-        <p:spPr>
-          <a:xfrm>
-            <a:off x="838198" y="4212053"/>
-            <a:ext cx="10381180" cy="646331"/>
-          </a:xfrm>
-          <a:prstGeom prst="rect">
-            <a:avLst/>
-          </a:prstGeom>
-        </p:spPr>
-        <p:txBody>
-          <a:bodyPr wrap="square">
-            <a:spAutoFit/>
-          </a:bodyPr>
-          <a:lstStyle/>
-          <a:p>
-            <a:r>
-              <a:rPr lang="en-US" dirty="0"/>
-              <a:t>In this example, we will create a </a:t>
-            </a:r>
-            <a:r>
-              <a:rPr lang="en-US" dirty="0" err="1"/>
-              <a:t>JobExecutor</a:t>
-            </a:r>
-            <a:r>
-              <a:rPr lang="en-US" dirty="0"/>
-              <a:t> class that runs in a separate thread. Here is the code snippet of </a:t>
-            </a:r>
-            <a:r>
-              <a:rPr lang="en-US" dirty="0" err="1"/>
-              <a:t>JobExecutor</a:t>
-            </a:r>
-            <a:r>
-              <a:rPr lang="en-US" dirty="0"/>
-              <a:t>: </a:t>
-            </a:r>
-          </a:p>
-        </p:txBody>
-      </p:sp>
+      </p:pic>
     </p:spTree>
     <p:extLst>
       <p:ext uri="{BB962C8B-B14F-4D97-AF65-F5344CB8AC3E}">
@@ -4302,40 +4268,595 @@
           <a:chExt cx="0" cy="0"/>
         </a:xfrm>
       </p:grpSpPr>
-      <p:pic>
-        <p:nvPicPr>
-          <p:cNvPr id="4" name="Picture 3">
-            <a:extLst>
-              <a:ext uri="{FF2B5EF4-FFF2-40B4-BE49-F238E27FC236}">
-                <a16:creationId xmlns:a16="http://schemas.microsoft.com/office/drawing/2014/main" id="{AB2C2507-14FF-4860-948C-CF026E7EE0AE}"/>
-              </a:ext>
-            </a:extLst>
-          </p:cNvPr>
-          <p:cNvPicPr>
-            <a:picLocks noChangeAspect="1"/>
-          </p:cNvPicPr>
+      <p:sp>
+        <p:nvSpPr>
+          <p:cNvPr id="5" name="Rectangle 4">
+            <a:extLst>
+              <a:ext uri="{FF2B5EF4-FFF2-40B4-BE49-F238E27FC236}">
+                <a16:creationId xmlns:a16="http://schemas.microsoft.com/office/drawing/2014/main" id="{256B44AD-2DE3-4CF4-8A98-2FFF738CF18C}"/>
+              </a:ext>
+            </a:extLst>
+          </p:cNvPr>
+          <p:cNvSpPr/>
           <p:nvPr/>
-        </p:nvPicPr>
-        <p:blipFill>
-          <a:blip r:embed="rId2"/>
-          <a:stretch>
-            <a:fillRect/>
-          </a:stretch>
-        </p:blipFill>
+        </p:nvSpPr>
         <p:spPr>
           <a:xfrm>
-            <a:off x="976748" y="291290"/>
-            <a:ext cx="7468609" cy="6439282"/>
+            <a:off x="643848" y="239749"/>
+            <a:ext cx="11428287" cy="2031325"/>
           </a:xfrm>
           <a:prstGeom prst="rect">
             <a:avLst/>
           </a:prstGeom>
         </p:spPr>
-      </p:pic>
+        <p:txBody>
+          <a:bodyPr wrap="square">
+            <a:spAutoFit/>
+          </a:bodyPr>
+          <a:lstStyle/>
+          <a:p>
+            <a:pPr marL="285750" indent="-285750">
+              <a:buFont typeface="Arial" panose="020B0604020202020204" pitchFamily="34" charset="0"/>
+              <a:buChar char="•"/>
+            </a:pPr>
+            <a:r>
+              <a:rPr lang="en-US" b="1" dirty="0" err="1"/>
+              <a:t>Monitor.Enter</a:t>
+            </a:r>
+            <a:r>
+              <a:rPr lang="en-US" b="1" dirty="0"/>
+              <a:t> </a:t>
+            </a:r>
+            <a:r>
+              <a:rPr lang="en-US" dirty="0"/>
+              <a:t>is the API that does the work of discovering whether some other thread already has the lock, and if so, making the current thread wait. If this returns at all, it normally succeeds</a:t>
+            </a:r>
+          </a:p>
+          <a:p>
+            <a:pPr marL="285750" indent="-285750">
+              <a:buFont typeface="Arial" panose="020B0604020202020204" pitchFamily="34" charset="0"/>
+              <a:buChar char="•"/>
+            </a:pPr>
+            <a:r>
+              <a:rPr lang="en-US" b="1" dirty="0" err="1"/>
+              <a:t>Monitor.Exit</a:t>
+            </a:r>
+            <a:r>
+              <a:rPr lang="en-US" b="1" dirty="0"/>
+              <a:t> </a:t>
+            </a:r>
+            <a:r>
+              <a:rPr lang="en-US" dirty="0"/>
+              <a:t>tells the CLR that we no longer need exclusive access to whatever resources we’re synchronizing access to, and if any other threads are waiting inside </a:t>
+            </a:r>
+            <a:r>
+              <a:rPr lang="en-US" dirty="0" err="1"/>
+              <a:t>Monitor.Enter</a:t>
+            </a:r>
+            <a:r>
+              <a:rPr lang="en-US" dirty="0"/>
+              <a:t> for the object in question, this will enable one of them to proceed.</a:t>
+            </a:r>
+          </a:p>
+          <a:p>
+            <a:pPr marL="285750" indent="-285750">
+              <a:buFont typeface="Arial" panose="020B0604020202020204" pitchFamily="34" charset="0"/>
+              <a:buChar char="•"/>
+            </a:pPr>
+            <a:endParaRPr lang="en-US" dirty="0"/>
+          </a:p>
+          <a:p>
+            <a:pPr marL="285750" indent="-285750">
+              <a:buFont typeface="Arial" panose="020B0604020202020204" pitchFamily="34" charset="0"/>
+              <a:buChar char="•"/>
+            </a:pPr>
+            <a:endParaRPr lang="en-US" dirty="0"/>
+          </a:p>
+        </p:txBody>
+      </p:sp>
+      <p:sp>
+        <p:nvSpPr>
+          <p:cNvPr id="7" name="Rectangle 6">
+            <a:extLst>
+              <a:ext uri="{FF2B5EF4-FFF2-40B4-BE49-F238E27FC236}">
+                <a16:creationId xmlns:a16="http://schemas.microsoft.com/office/drawing/2014/main" id="{141E77F3-1C09-4817-9B2B-2A95D01F8885}"/>
+              </a:ext>
+            </a:extLst>
+          </p:cNvPr>
+          <p:cNvSpPr/>
+          <p:nvPr/>
+        </p:nvSpPr>
+        <p:spPr>
+          <a:xfrm>
+            <a:off x="925449" y="2086408"/>
+            <a:ext cx="3416320" cy="369332"/>
+          </a:xfrm>
+          <a:prstGeom prst="rect">
+            <a:avLst/>
+          </a:prstGeom>
+        </p:spPr>
+        <p:txBody>
+          <a:bodyPr wrap="none">
+            <a:spAutoFit/>
+          </a:bodyPr>
+          <a:lstStyle/>
+          <a:p>
+            <a:pPr fontAlgn="base"/>
+            <a:r>
+              <a:rPr lang="en-US" b="1" cap="all" dirty="0">
+                <a:solidFill>
+                  <a:srgbClr val="555555"/>
+                </a:solidFill>
+                <a:latin typeface="Arial" panose="020B0604020202020204" pitchFamily="34" charset="0"/>
+              </a:rPr>
+              <a:t>WAITING AND NOTIFICATION</a:t>
+            </a:r>
+            <a:endParaRPr lang="en-US" b="1" i="0" cap="all" dirty="0">
+              <a:solidFill>
+                <a:srgbClr val="555555"/>
+              </a:solidFill>
+              <a:effectLst/>
+              <a:latin typeface="Arial" panose="020B0604020202020204" pitchFamily="34" charset="0"/>
+            </a:endParaRPr>
+          </a:p>
+        </p:txBody>
+      </p:sp>
+      <p:sp>
+        <p:nvSpPr>
+          <p:cNvPr id="8" name="Rectangle 7">
+            <a:extLst>
+              <a:ext uri="{FF2B5EF4-FFF2-40B4-BE49-F238E27FC236}">
+                <a16:creationId xmlns:a16="http://schemas.microsoft.com/office/drawing/2014/main" id="{7C88A3C5-6543-4DAE-BCC0-2B033BAE315C}"/>
+              </a:ext>
+            </a:extLst>
+          </p:cNvPr>
+          <p:cNvSpPr/>
+          <p:nvPr/>
+        </p:nvSpPr>
+        <p:spPr>
+          <a:xfrm>
+            <a:off x="925449" y="2455739"/>
+            <a:ext cx="10869284" cy="2862322"/>
+          </a:xfrm>
+          <a:prstGeom prst="rect">
+            <a:avLst/>
+          </a:prstGeom>
+        </p:spPr>
+        <p:txBody>
+          <a:bodyPr wrap="square">
+            <a:spAutoFit/>
+          </a:bodyPr>
+          <a:lstStyle/>
+          <a:p>
+            <a:pPr marL="285750" indent="-285750">
+              <a:buFont typeface="Arial" panose="020B0604020202020204" pitchFamily="34" charset="0"/>
+              <a:buChar char="•"/>
+            </a:pPr>
+            <a:r>
+              <a:rPr lang="en-US" dirty="0"/>
+              <a:t>It provides a way for threads to sit and wait for a notification from some other thread. If a thread has acquired the monitor for a particular object, it can call </a:t>
+            </a:r>
+            <a:r>
+              <a:rPr lang="en-US" b="1" dirty="0" err="1"/>
+              <a:t>Monitor.Wait</a:t>
+            </a:r>
+            <a:r>
+              <a:rPr lang="en-US" dirty="0"/>
+              <a:t>, passing in that object. This has two effects: it releases the monitor and causes the thread to block. It will block until some other thread calls </a:t>
+            </a:r>
+            <a:r>
+              <a:rPr lang="en-US" b="1" dirty="0" err="1"/>
+              <a:t>Monitor.Pulse</a:t>
+            </a:r>
+            <a:r>
+              <a:rPr lang="en-US" b="1" dirty="0"/>
+              <a:t> </a:t>
+            </a:r>
+            <a:r>
+              <a:rPr lang="en-US" dirty="0"/>
+              <a:t>or </a:t>
+            </a:r>
+            <a:r>
+              <a:rPr lang="en-US" b="1" dirty="0" err="1"/>
+              <a:t>PulseAll</a:t>
+            </a:r>
+            <a:r>
+              <a:rPr lang="en-US" dirty="0"/>
+              <a:t> for the same object</a:t>
+            </a:r>
+          </a:p>
+          <a:p>
+            <a:pPr marL="285750" indent="-285750">
+              <a:buFont typeface="Arial" panose="020B0604020202020204" pitchFamily="34" charset="0"/>
+              <a:buChar char="•"/>
+            </a:pPr>
+            <a:r>
+              <a:rPr lang="en-US" dirty="0"/>
+              <a:t>If a thread calls </a:t>
+            </a:r>
+            <a:r>
+              <a:rPr lang="en-US" b="1" dirty="0"/>
+              <a:t>Pulse</a:t>
+            </a:r>
+            <a:r>
+              <a:rPr lang="en-US" dirty="0"/>
+              <a:t>, this enables one thread waiting in Wait to wake up. Calling </a:t>
+            </a:r>
+            <a:r>
+              <a:rPr lang="en-US" b="1" dirty="0" err="1"/>
+              <a:t>PulseAll</a:t>
+            </a:r>
+            <a:r>
+              <a:rPr lang="en-US" dirty="0"/>
+              <a:t> enables all of the threads waiting on that object’s monitor to run</a:t>
+            </a:r>
+          </a:p>
+          <a:p>
+            <a:pPr marL="285750" indent="-285750">
+              <a:buFont typeface="Arial" panose="020B0604020202020204" pitchFamily="34" charset="0"/>
+              <a:buChar char="•"/>
+            </a:pPr>
+            <a:r>
+              <a:rPr lang="en-US" dirty="0"/>
+              <a:t>uses Wait and Pulse to provide a wrapper around a Queue&lt;T&gt; that causes the thread that retrieves items from the queue to wait if the queue is empty. (This is for illustration only—if you want this sort of queue, you don’t have to write your own. Use the built-in </a:t>
+            </a:r>
+            <a:r>
+              <a:rPr lang="en-US" b="1" dirty="0" err="1"/>
+              <a:t>BlockingCollection</a:t>
+            </a:r>
+            <a:r>
+              <a:rPr lang="en-US" b="1" dirty="0"/>
+              <a:t>&lt;T&gt;</a:t>
+            </a:r>
+            <a:r>
+              <a:rPr lang="en-US" dirty="0"/>
+              <a:t>, or the types in </a:t>
+            </a:r>
+            <a:r>
+              <a:rPr lang="en-US" b="1" dirty="0" err="1"/>
+              <a:t>System.Threading.Channels</a:t>
+            </a:r>
+            <a:r>
+              <a:rPr lang="en-US" dirty="0"/>
+              <a:t>.)</a:t>
+            </a:r>
+          </a:p>
+          <a:p>
+            <a:pPr marL="285750" indent="-285750">
+              <a:buFont typeface="Arial" panose="020B0604020202020204" pitchFamily="34" charset="0"/>
+              <a:buChar char="•"/>
+            </a:pPr>
+            <a:endParaRPr lang="en-US" dirty="0"/>
+          </a:p>
+        </p:txBody>
+      </p:sp>
+      <p:sp>
+        <p:nvSpPr>
+          <p:cNvPr id="9" name="Rectangle 3">
+            <a:extLst>
+              <a:ext uri="{FF2B5EF4-FFF2-40B4-BE49-F238E27FC236}">
+                <a16:creationId xmlns:a16="http://schemas.microsoft.com/office/drawing/2014/main" id="{A8B65B70-3703-47BA-9086-312872D63B24}"/>
+              </a:ext>
+            </a:extLst>
+          </p:cNvPr>
+          <p:cNvSpPr>
+            <a:spLocks noChangeArrowheads="1"/>
+          </p:cNvSpPr>
+          <p:nvPr/>
+        </p:nvSpPr>
+        <p:spPr bwMode="auto">
+          <a:xfrm>
+            <a:off x="0" y="0"/>
+            <a:ext cx="12192000" cy="0"/>
+          </a:xfrm>
+          <a:prstGeom prst="rect">
+            <a:avLst/>
+          </a:prstGeom>
+          <a:solidFill>
+            <a:srgbClr val="FFFFFF"/>
+          </a:solidFill>
+          <a:ln>
+            <a:noFill/>
+          </a:ln>
+          <a:effectLst/>
+          <a:extLst>
+            <a:ext uri="{91240B29-F687-4F45-9708-019B960494DF}">
+              <a14:hiddenLine xmlns:a14="http://schemas.microsoft.com/office/drawing/2010/main" w="9525">
+                <a:solidFill>
+                  <a:schemeClr val="tx1"/>
+                </a:solidFill>
+                <a:miter lim="800000"/>
+                <a:headEnd/>
+                <a:tailEnd/>
+              </a14:hiddenLine>
+            </a:ext>
+            <a:ext uri="{AF507438-7753-43E0-B8FC-AC1667EBCBE1}">
+              <a14:hiddenEffects xmlns:a14="http://schemas.microsoft.com/office/drawing/2010/main">
+                <a:effectLst>
+                  <a:outerShdw dist="35921" dir="2700000" algn="ctr" rotWithShape="0">
+                    <a:schemeClr val="bg2"/>
+                  </a:outerShdw>
+                </a:effectLst>
+              </a14:hiddenEffects>
+            </a:ext>
+          </a:extLst>
+        </p:spPr>
+        <p:txBody>
+          <a:bodyPr vert="horz" wrap="none" lIns="0" tIns="0" rIns="0" bIns="0" numCol="1" anchor="ctr" anchorCtr="0" compatLnSpc="1">
+            <a:prstTxWarp prst="textNoShape">
+              <a:avLst/>
+            </a:prstTxWarp>
+            <a:spAutoFit/>
+          </a:bodyPr>
+          <a:lstStyle>
+            <a:lvl1pPr eaLnBrk="0" fontAlgn="base" hangingPunct="0">
+              <a:spcBef>
+                <a:spcPct val="0"/>
+              </a:spcBef>
+              <a:spcAft>
+                <a:spcPct val="0"/>
+              </a:spcAft>
+              <a:defRPr>
+                <a:solidFill>
+                  <a:schemeClr val="tx1"/>
+                </a:solidFill>
+                <a:latin typeface="Arial" panose="020B0604020202020204" pitchFamily="34" charset="0"/>
+              </a:defRPr>
+            </a:lvl1pPr>
+            <a:lvl2pPr eaLnBrk="0" fontAlgn="base" hangingPunct="0">
+              <a:spcBef>
+                <a:spcPct val="0"/>
+              </a:spcBef>
+              <a:spcAft>
+                <a:spcPct val="0"/>
+              </a:spcAft>
+              <a:defRPr>
+                <a:solidFill>
+                  <a:schemeClr val="tx1"/>
+                </a:solidFill>
+                <a:latin typeface="Arial" panose="020B0604020202020204" pitchFamily="34" charset="0"/>
+              </a:defRPr>
+            </a:lvl2pPr>
+            <a:lvl3pPr eaLnBrk="0" fontAlgn="base" hangingPunct="0">
+              <a:spcBef>
+                <a:spcPct val="0"/>
+              </a:spcBef>
+              <a:spcAft>
+                <a:spcPct val="0"/>
+              </a:spcAft>
+              <a:defRPr>
+                <a:solidFill>
+                  <a:schemeClr val="tx1"/>
+                </a:solidFill>
+                <a:latin typeface="Arial" panose="020B0604020202020204" pitchFamily="34" charset="0"/>
+              </a:defRPr>
+            </a:lvl3pPr>
+            <a:lvl4pPr eaLnBrk="0" fontAlgn="base" hangingPunct="0">
+              <a:spcBef>
+                <a:spcPct val="0"/>
+              </a:spcBef>
+              <a:spcAft>
+                <a:spcPct val="0"/>
+              </a:spcAft>
+              <a:defRPr>
+                <a:solidFill>
+                  <a:schemeClr val="tx1"/>
+                </a:solidFill>
+                <a:latin typeface="Arial" panose="020B0604020202020204" pitchFamily="34" charset="0"/>
+              </a:defRPr>
+            </a:lvl4pPr>
+            <a:lvl5pPr eaLnBrk="0" fontAlgn="base" hangingPunct="0">
+              <a:spcBef>
+                <a:spcPct val="0"/>
+              </a:spcBef>
+              <a:spcAft>
+                <a:spcPct val="0"/>
+              </a:spcAft>
+              <a:defRPr>
+                <a:solidFill>
+                  <a:schemeClr val="tx1"/>
+                </a:solidFill>
+                <a:latin typeface="Arial" panose="020B0604020202020204" pitchFamily="34" charset="0"/>
+              </a:defRPr>
+            </a:lvl5pPr>
+            <a:lvl6pPr eaLnBrk="0" fontAlgn="base" hangingPunct="0">
+              <a:spcBef>
+                <a:spcPct val="0"/>
+              </a:spcBef>
+              <a:spcAft>
+                <a:spcPct val="0"/>
+              </a:spcAft>
+              <a:defRPr>
+                <a:solidFill>
+                  <a:schemeClr val="tx1"/>
+                </a:solidFill>
+                <a:latin typeface="Arial" panose="020B0604020202020204" pitchFamily="34" charset="0"/>
+              </a:defRPr>
+            </a:lvl6pPr>
+            <a:lvl7pPr eaLnBrk="0" fontAlgn="base" hangingPunct="0">
+              <a:spcBef>
+                <a:spcPct val="0"/>
+              </a:spcBef>
+              <a:spcAft>
+                <a:spcPct val="0"/>
+              </a:spcAft>
+              <a:defRPr>
+                <a:solidFill>
+                  <a:schemeClr val="tx1"/>
+                </a:solidFill>
+                <a:latin typeface="Arial" panose="020B0604020202020204" pitchFamily="34" charset="0"/>
+              </a:defRPr>
+            </a:lvl7pPr>
+            <a:lvl8pPr eaLnBrk="0" fontAlgn="base" hangingPunct="0">
+              <a:spcBef>
+                <a:spcPct val="0"/>
+              </a:spcBef>
+              <a:spcAft>
+                <a:spcPct val="0"/>
+              </a:spcAft>
+              <a:defRPr>
+                <a:solidFill>
+                  <a:schemeClr val="tx1"/>
+                </a:solidFill>
+                <a:latin typeface="Arial" panose="020B0604020202020204" pitchFamily="34" charset="0"/>
+              </a:defRPr>
+            </a:lvl8pPr>
+            <a:lvl9pPr eaLnBrk="0" fontAlgn="base" hangingPunct="0">
+              <a:spcBef>
+                <a:spcPct val="0"/>
+              </a:spcBef>
+              <a:spcAft>
+                <a:spcPct val="0"/>
+              </a:spcAft>
+              <a:defRPr>
+                <a:solidFill>
+                  <a:schemeClr val="tx1"/>
+                </a:solidFill>
+                <a:latin typeface="Arial" panose="020B0604020202020204" pitchFamily="34" charset="0"/>
+              </a:defRPr>
+            </a:lvl9pPr>
+          </a:lstStyle>
+          <a:p>
+            <a:pPr marL="0" marR="0" lvl="0" indent="0" algn="l" defTabSz="914400" rtl="0" eaLnBrk="0" fontAlgn="base" latinLnBrk="0" hangingPunct="0">
+              <a:lnSpc>
+                <a:spcPct val="100000"/>
+              </a:lnSpc>
+              <a:spcBef>
+                <a:spcPct val="0"/>
+              </a:spcBef>
+              <a:spcAft>
+                <a:spcPct val="0"/>
+              </a:spcAft>
+              <a:buClrTx/>
+              <a:buSzTx/>
+              <a:buFontTx/>
+              <a:buNone/>
+              <a:tabLst/>
+            </a:pPr>
+            <a:r>
+              <a:rPr kumimoji="0" lang="en-US" altLang="en-US" sz="1200" b="0" i="0" u="none" strike="noStrike" cap="none" normalizeH="0" baseline="0">
+                <a:ln>
+                  <a:noFill/>
+                </a:ln>
+                <a:solidFill>
+                  <a:srgbClr val="333333"/>
+                </a:solidFill>
+                <a:effectLst/>
+                <a:latin typeface="Times New Roman" panose="02020603050405020304" pitchFamily="18" charset="0"/>
+                <a:cs typeface="Times New Roman" panose="02020603050405020304" pitchFamily="18" charset="0"/>
+              </a:rPr>
+              <a:t>If a thread calls </a:t>
+            </a:r>
+            <a:r>
+              <a:rPr kumimoji="0" lang="en-US" altLang="en-US" sz="1200" b="0" i="0" u="none" strike="noStrike" cap="none" normalizeH="0" baseline="0">
+                <a:ln>
+                  <a:noFill/>
+                </a:ln>
+                <a:solidFill>
+                  <a:srgbClr val="333333"/>
+                </a:solidFill>
+                <a:effectLst/>
+                <a:latin typeface="Ubuntu Mono"/>
+              </a:rPr>
+              <a:t>Pulse</a:t>
+            </a:r>
+            <a:r>
+              <a:rPr kumimoji="0" lang="en-US" altLang="en-US" sz="1200" b="0" i="0" u="none" strike="noStrike" cap="none" normalizeH="0" baseline="0">
+                <a:ln>
+                  <a:noFill/>
+                </a:ln>
+                <a:solidFill>
+                  <a:srgbClr val="333333"/>
+                </a:solidFill>
+                <a:effectLst/>
+                <a:latin typeface="Times New Roman" panose="02020603050405020304" pitchFamily="18" charset="0"/>
+                <a:cs typeface="Times New Roman" panose="02020603050405020304" pitchFamily="18" charset="0"/>
+              </a:rPr>
+              <a:t>, this enables one thread waiting in </a:t>
+            </a:r>
+            <a:r>
+              <a:rPr kumimoji="0" lang="en-US" altLang="en-US" sz="1200" b="0" i="0" u="none" strike="noStrike" cap="none" normalizeH="0" baseline="0">
+                <a:ln>
+                  <a:noFill/>
+                </a:ln>
+                <a:solidFill>
+                  <a:srgbClr val="333333"/>
+                </a:solidFill>
+                <a:effectLst/>
+                <a:latin typeface="Ubuntu Mono"/>
+              </a:rPr>
+              <a:t>Wait</a:t>
+            </a:r>
+            <a:r>
+              <a:rPr kumimoji="0" lang="en-US" altLang="en-US" sz="1200" b="0" i="0" u="none" strike="noStrike" cap="none" normalizeH="0" baseline="0">
+                <a:ln>
+                  <a:noFill/>
+                </a:ln>
+                <a:solidFill>
+                  <a:srgbClr val="333333"/>
+                </a:solidFill>
+                <a:effectLst/>
+                <a:latin typeface="Times New Roman" panose="02020603050405020304" pitchFamily="18" charset="0"/>
+                <a:cs typeface="Times New Roman" panose="02020603050405020304" pitchFamily="18" charset="0"/>
+              </a:rPr>
+              <a:t> to wake up. Calling </a:t>
+            </a:r>
+            <a:r>
+              <a:rPr kumimoji="0" lang="en-US" altLang="en-US" sz="1200" b="0" i="0" u="none" strike="noStrike" cap="none" normalizeH="0" baseline="0">
+                <a:ln>
+                  <a:noFill/>
+                </a:ln>
+                <a:solidFill>
+                  <a:srgbClr val="333333"/>
+                </a:solidFill>
+                <a:effectLst/>
+                <a:latin typeface="Ubuntu Mono"/>
+              </a:rPr>
+              <a:t>PulseAll</a:t>
+            </a:r>
+            <a:r>
+              <a:rPr kumimoji="0" lang="en-US" altLang="en-US" sz="1200" b="0" i="0" u="none" strike="noStrike" cap="none" normalizeH="0" baseline="0">
+                <a:ln>
+                  <a:noFill/>
+                </a:ln>
+                <a:solidFill>
+                  <a:srgbClr val="333333"/>
+                </a:solidFill>
+                <a:effectLst/>
+                <a:latin typeface="Times New Roman" panose="02020603050405020304" pitchFamily="18" charset="0"/>
+                <a:cs typeface="Times New Roman" panose="02020603050405020304" pitchFamily="18" charset="0"/>
+              </a:rPr>
+              <a:t> enables all of the threads waiting on that object’s monitor to run</a:t>
+            </a:r>
+            <a:r>
+              <a:rPr kumimoji="0" lang="en-US" altLang="en-US" sz="800" b="0" i="0" u="none" strike="noStrike" cap="none" normalizeH="0" baseline="0">
+                <a:ln>
+                  <a:noFill/>
+                </a:ln>
+                <a:solidFill>
+                  <a:schemeClr val="tx1"/>
+                </a:solidFill>
+                <a:effectLst/>
+              </a:rPr>
+              <a:t> </a:t>
+            </a:r>
+            <a:endParaRPr kumimoji="0" lang="en-US" altLang="en-US" sz="1800" b="0" i="0" u="none" strike="noStrike" cap="none" normalizeH="0" baseline="0">
+              <a:ln>
+                <a:noFill/>
+              </a:ln>
+              <a:solidFill>
+                <a:schemeClr val="tx1"/>
+              </a:solidFill>
+              <a:effectLst/>
+              <a:latin typeface="Arial" panose="020B0604020202020204" pitchFamily="34" charset="0"/>
+            </a:endParaRPr>
+          </a:p>
+        </p:txBody>
+      </p:sp>
     </p:spTree>
     <p:extLst>
       <p:ext uri="{BB962C8B-B14F-4D97-AF65-F5344CB8AC3E}">
-        <p14:creationId xmlns:p14="http://schemas.microsoft.com/office/powerpoint/2010/main" val="3885220983"/>
+        <p14:creationId xmlns:p14="http://schemas.microsoft.com/office/powerpoint/2010/main" val="1579504443"/>
       </p:ext>
     </p:extLst>
   </p:cSld>
@@ -4367,7 +4888,7 @@
           <p:cNvPr id="4" name="Picture 3">
             <a:extLst>
               <a:ext uri="{FF2B5EF4-FFF2-40B4-BE49-F238E27FC236}">
-                <a16:creationId xmlns:a16="http://schemas.microsoft.com/office/drawing/2014/main" id="{5B18B4B1-B343-4311-87E8-B175BF484F12}"/>
+                <a16:creationId xmlns:a16="http://schemas.microsoft.com/office/drawing/2014/main" id="{B375042D-8604-462F-8128-CD8DCA870089}"/>
               </a:ext>
             </a:extLst>
           </p:cNvPr>
@@ -4384,8 +4905,38 @@
         </p:blipFill>
         <p:spPr>
           <a:xfrm>
-            <a:off x="616276" y="124657"/>
-            <a:ext cx="8661288" cy="6545177"/>
+            <a:off x="527012" y="76743"/>
+            <a:ext cx="7048862" cy="3848298"/>
+          </a:xfrm>
+          <a:prstGeom prst="rect">
+            <a:avLst/>
+          </a:prstGeom>
+        </p:spPr>
+      </p:pic>
+      <p:pic>
+        <p:nvPicPr>
+          <p:cNvPr id="5" name="Picture 4">
+            <a:extLst>
+              <a:ext uri="{FF2B5EF4-FFF2-40B4-BE49-F238E27FC236}">
+                <a16:creationId xmlns:a16="http://schemas.microsoft.com/office/drawing/2014/main" id="{5BA0C977-2512-49CE-9B65-87D558B9F374}"/>
+              </a:ext>
+            </a:extLst>
+          </p:cNvPr>
+          <p:cNvPicPr>
+            <a:picLocks noChangeAspect="1"/>
+          </p:cNvPicPr>
+          <p:nvPr/>
+        </p:nvPicPr>
+        <p:blipFill>
+          <a:blip r:embed="rId3"/>
+          <a:stretch>
+            <a:fillRect/>
+          </a:stretch>
+        </p:blipFill>
+        <p:spPr>
+          <a:xfrm>
+            <a:off x="527012" y="3925041"/>
+            <a:ext cx="5950256" cy="2419474"/>
           </a:xfrm>
           <a:prstGeom prst="rect">
             <a:avLst/>
@@ -4395,7 +4946,7 @@
     </p:spTree>
     <p:extLst>
       <p:ext uri="{BB962C8B-B14F-4D97-AF65-F5344CB8AC3E}">
-        <p14:creationId xmlns:p14="http://schemas.microsoft.com/office/powerpoint/2010/main" val="2215765223"/>
+        <p14:creationId xmlns:p14="http://schemas.microsoft.com/office/powerpoint/2010/main" val="1554671385"/>
       </p:ext>
     </p:extLst>
   </p:cSld>
@@ -4422,70 +4973,242 @@
           <a:chExt cx="0" cy="0"/>
         </a:xfrm>
       </p:grpSpPr>
-      <p:pic>
-        <p:nvPicPr>
-          <p:cNvPr id="4" name="Picture 3">
-            <a:extLst>
-              <a:ext uri="{FF2B5EF4-FFF2-40B4-BE49-F238E27FC236}">
-                <a16:creationId xmlns:a16="http://schemas.microsoft.com/office/drawing/2014/main" id="{7405C3B9-0473-4DA8-9E55-6E58069E57B3}"/>
-              </a:ext>
-            </a:extLst>
-          </p:cNvPr>
-          <p:cNvPicPr>
-            <a:picLocks noChangeAspect="1"/>
-          </p:cNvPicPr>
-          <p:nvPr/>
-        </p:nvPicPr>
-        <p:blipFill>
-          <a:blip r:embed="rId2"/>
-          <a:stretch>
-            <a:fillRect/>
-          </a:stretch>
-        </p:blipFill>
+      <p:sp>
+        <p:nvSpPr>
+          <p:cNvPr id="2" name="Title 1">
+            <a:extLst>
+              <a:ext uri="{FF2B5EF4-FFF2-40B4-BE49-F238E27FC236}">
+                <a16:creationId xmlns:a16="http://schemas.microsoft.com/office/drawing/2014/main" id="{50B0C85B-4D2B-4905-BDCB-156CBF5DC33B}"/>
+              </a:ext>
+            </a:extLst>
+          </p:cNvPr>
+          <p:cNvSpPr>
+            <a:spLocks noGrp="1"/>
+          </p:cNvSpPr>
+          <p:nvPr>
+            <p:ph type="title"/>
+          </p:nvPr>
+        </p:nvSpPr>
         <p:spPr>
           <a:xfrm>
-            <a:off x="515547" y="97759"/>
-            <a:ext cx="6905640" cy="5707140"/>
+            <a:off x="838200" y="365125"/>
+            <a:ext cx="10515600" cy="539001"/>
+          </a:xfrm>
+        </p:spPr>
+        <p:txBody>
+          <a:bodyPr>
+            <a:normAutofit fontScale="90000"/>
+          </a:bodyPr>
+          <a:lstStyle/>
+          <a:p>
+            <a:r>
+              <a:rPr lang="en-US" dirty="0">
+                <a:solidFill>
+                  <a:schemeClr val="accent2">
+                    <a:lumMod val="75000"/>
+                  </a:schemeClr>
+                </a:solidFill>
+              </a:rPr>
+              <a:t>Interlocked</a:t>
+            </a:r>
+            <a:endParaRPr lang="en-US" dirty="0"/>
+          </a:p>
+        </p:txBody>
+      </p:sp>
+      <p:sp>
+        <p:nvSpPr>
+          <p:cNvPr id="4" name="Rectangle 3">
+            <a:extLst>
+              <a:ext uri="{FF2B5EF4-FFF2-40B4-BE49-F238E27FC236}">
+                <a16:creationId xmlns:a16="http://schemas.microsoft.com/office/drawing/2014/main" id="{9B42A178-9671-495D-BAE6-CA719E10987A}"/>
+              </a:ext>
+            </a:extLst>
+          </p:cNvPr>
+          <p:cNvSpPr/>
+          <p:nvPr/>
+        </p:nvSpPr>
+        <p:spPr>
+          <a:xfrm>
+            <a:off x="838199" y="1065326"/>
+            <a:ext cx="11090097" cy="1477328"/>
           </a:xfrm>
           <a:prstGeom prst="rect">
             <a:avLst/>
           </a:prstGeom>
         </p:spPr>
-      </p:pic>
-      <p:pic>
-        <p:nvPicPr>
-          <p:cNvPr id="5" name="Picture 4">
-            <a:extLst>
-              <a:ext uri="{FF2B5EF4-FFF2-40B4-BE49-F238E27FC236}">
-                <a16:creationId xmlns:a16="http://schemas.microsoft.com/office/drawing/2014/main" id="{EFDF9602-A020-4ED9-A1EE-87667B2E17A2}"/>
-              </a:ext>
-            </a:extLst>
-          </p:cNvPr>
-          <p:cNvPicPr>
-            <a:picLocks noChangeAspect="1"/>
-          </p:cNvPicPr>
+        <p:txBody>
+          <a:bodyPr wrap="square">
+            <a:spAutoFit/>
+          </a:bodyPr>
+          <a:lstStyle/>
+          <a:p>
+            <a:r>
+              <a:rPr lang="en-US" dirty="0"/>
+              <a:t>It supports concurrent access to shared data, but it is not a synchronization primitive. Instead, it defines static methods that provide atomic forms of various simple operations. it provides</a:t>
+            </a:r>
+            <a:r>
+              <a:rPr lang="en-US" b="1" dirty="0"/>
+              <a:t> Increment, Decrement, </a:t>
+            </a:r>
+            <a:r>
+              <a:rPr lang="en-US" dirty="0"/>
+              <a:t>and</a:t>
+            </a:r>
+            <a:r>
+              <a:rPr lang="en-US" b="1" dirty="0"/>
+              <a:t> Add </a:t>
+            </a:r>
+            <a:r>
+              <a:rPr lang="en-US" dirty="0"/>
+              <a:t>methods, with overloads supporting int and long values.</a:t>
+            </a:r>
+          </a:p>
+          <a:p>
+            <a:endParaRPr lang="en-US" dirty="0"/>
+          </a:p>
+          <a:p>
+            <a:endParaRPr lang="en-US" dirty="0"/>
+          </a:p>
+        </p:txBody>
+      </p:sp>
+      <p:sp>
+        <p:nvSpPr>
+          <p:cNvPr id="5" name="Rectangle 4">
+            <a:extLst>
+              <a:ext uri="{FF2B5EF4-FFF2-40B4-BE49-F238E27FC236}">
+                <a16:creationId xmlns:a16="http://schemas.microsoft.com/office/drawing/2014/main" id="{7F1C2019-56F3-4084-9708-BE6E4FFCEE40}"/>
+              </a:ext>
+            </a:extLst>
+          </p:cNvPr>
+          <p:cNvSpPr/>
           <p:nvPr/>
-        </p:nvPicPr>
-        <p:blipFill>
-          <a:blip r:embed="rId3"/>
-          <a:stretch>
-            <a:fillRect/>
-          </a:stretch>
-        </p:blipFill>
+        </p:nvSpPr>
         <p:spPr>
           <a:xfrm>
-            <a:off x="515547" y="5426672"/>
-            <a:ext cx="4299171" cy="1333569"/>
+            <a:off x="838199" y="2121129"/>
+            <a:ext cx="11223662" cy="1477328"/>
           </a:xfrm>
           <a:prstGeom prst="rect">
             <a:avLst/>
           </a:prstGeom>
         </p:spPr>
-      </p:pic>
+        <p:txBody>
+          <a:bodyPr wrap="square">
+            <a:spAutoFit/>
+          </a:bodyPr>
+          <a:lstStyle/>
+          <a:p>
+            <a:r>
+              <a:rPr lang="en-US" dirty="0"/>
+              <a:t>Interlocked also offers various methods for swapping values. The </a:t>
+            </a:r>
+            <a:r>
+              <a:rPr lang="en-US" b="1" dirty="0"/>
+              <a:t>Exchange</a:t>
+            </a:r>
+            <a:r>
+              <a:rPr lang="en-US" dirty="0"/>
+              <a:t> method takes two arguments: a reference to a value and a value. This returns the value currently in the location referred to by the first argument, and also overwrites that location with the value supplied as a second argument, and it performs these two steps as a single atomic operation. There are overloads supporting int, long, object, float, double, and a type called </a:t>
+            </a:r>
+            <a:r>
+              <a:rPr lang="en-US" dirty="0" err="1"/>
+              <a:t>IntPtr</a:t>
+            </a:r>
+            <a:r>
+              <a:rPr lang="en-US" dirty="0"/>
+              <a:t>, which represents an unmanaged pointer. There is also a generic Exchange&lt;T&gt;, where T can be any reference type.</a:t>
+            </a:r>
+          </a:p>
+        </p:txBody>
+      </p:sp>
+      <p:sp>
+        <p:nvSpPr>
+          <p:cNvPr id="7" name="Rectangle 6">
+            <a:extLst>
+              <a:ext uri="{FF2B5EF4-FFF2-40B4-BE49-F238E27FC236}">
+                <a16:creationId xmlns:a16="http://schemas.microsoft.com/office/drawing/2014/main" id="{EB4C4E80-3A28-470B-ADFA-7B4D9C0C3DAC}"/>
+              </a:ext>
+            </a:extLst>
+          </p:cNvPr>
+          <p:cNvSpPr/>
+          <p:nvPr/>
+        </p:nvSpPr>
+        <p:spPr>
+          <a:xfrm>
+            <a:off x="838199" y="3759657"/>
+            <a:ext cx="10987356" cy="1477328"/>
+          </a:xfrm>
+          <a:prstGeom prst="rect">
+            <a:avLst/>
+          </a:prstGeom>
+        </p:spPr>
+        <p:txBody>
+          <a:bodyPr wrap="square">
+            <a:spAutoFit/>
+          </a:bodyPr>
+          <a:lstStyle/>
+          <a:p>
+            <a:r>
+              <a:rPr lang="en-US" dirty="0"/>
+              <a:t>There is also support for conditional exchange, with the </a:t>
+            </a:r>
+            <a:r>
+              <a:rPr lang="en-US" b="1" dirty="0" err="1"/>
+              <a:t>CompareExchange</a:t>
+            </a:r>
+            <a:r>
+              <a:rPr lang="en-US" dirty="0"/>
+              <a:t> method. This takes three values—as with Exchange, it takes a reference to some variable you wish to modify, and the value you want to replace it with, but it also takes a third argument: the value you think is already in the storage location. If the value in the storage location does not match the expected value, this method will not change the storage location. (It still returns whatever value was in that storage location, whether it modifies it or not.) </a:t>
+            </a:r>
+          </a:p>
+        </p:txBody>
+      </p:sp>
+      <p:sp>
+        <p:nvSpPr>
+          <p:cNvPr id="10" name="Rectangle 9">
+            <a:extLst>
+              <a:ext uri="{FF2B5EF4-FFF2-40B4-BE49-F238E27FC236}">
+                <a16:creationId xmlns:a16="http://schemas.microsoft.com/office/drawing/2014/main" id="{07253E9B-9250-467A-8C74-AB14BEC54668}"/>
+              </a:ext>
+            </a:extLst>
+          </p:cNvPr>
+          <p:cNvSpPr/>
+          <p:nvPr/>
+        </p:nvSpPr>
+        <p:spPr>
+          <a:xfrm>
+            <a:off x="838199" y="5316672"/>
+            <a:ext cx="10874340" cy="923330"/>
+          </a:xfrm>
+          <a:prstGeom prst="rect">
+            <a:avLst/>
+          </a:prstGeom>
+        </p:spPr>
+        <p:txBody>
+          <a:bodyPr wrap="square">
+            <a:spAutoFit/>
+          </a:bodyPr>
+          <a:lstStyle/>
+          <a:p>
+            <a:r>
+              <a:rPr lang="en-US" dirty="0"/>
+              <a:t>The </a:t>
+            </a:r>
+            <a:r>
+              <a:rPr lang="en-US" b="1" dirty="0"/>
+              <a:t>downside</a:t>
+            </a:r>
+            <a:r>
+              <a:rPr lang="en-US" dirty="0"/>
+              <a:t> of interlocked operations is that the atomicity applies only to extremely simple operations. It’s very hard to build more complex logic in a way that works correctly in a multithreaded environment using just Interlocked</a:t>
+            </a:r>
+          </a:p>
+        </p:txBody>
+      </p:sp>
     </p:spTree>
     <p:extLst>
       <p:ext uri="{BB962C8B-B14F-4D97-AF65-F5344CB8AC3E}">
-        <p14:creationId xmlns:p14="http://schemas.microsoft.com/office/powerpoint/2010/main" val="531726177"/>
+        <p14:creationId xmlns:p14="http://schemas.microsoft.com/office/powerpoint/2010/main" val="3532177950"/>
       </p:ext>
     </p:extLst>
   </p:cSld>
@@ -4601,10 +5324,16 @@
           <a:p>
             <a:pPr lvl="1"/>
             <a:r>
-              <a:rPr lang="en-US"/>
+              <a:rPr lang="en-US" dirty="0"/>
               <a:t>Monitor</a:t>
             </a:r>
-            <a:endParaRPr lang="en-US" dirty="0"/>
+          </a:p>
+          <a:p>
+            <a:pPr lvl="1"/>
+            <a:r>
+              <a:rPr lang="en-US" dirty="0"/>
+              <a:t>Interlocked</a:t>
+            </a:r>
           </a:p>
           <a:p>
             <a:pPr marL="0" indent="0">
@@ -4618,410 +5347,6 @@
     <p:extLst>
       <p:ext uri="{BB962C8B-B14F-4D97-AF65-F5344CB8AC3E}">
         <p14:creationId xmlns:p14="http://schemas.microsoft.com/office/powerpoint/2010/main" val="3459792817"/>
-      </p:ext>
-    </p:extLst>
-  </p:cSld>
-  <p:clrMapOvr>
-    <a:masterClrMapping/>
-  </p:clrMapOvr>
-</p:sld>
-</file>
-
-<file path=ppt/slides/slide20.xml><?xml version="1.0" encoding="utf-8"?>
-<p:sld xmlns:a="http://schemas.openxmlformats.org/drawingml/2006/main" xmlns:r="http://schemas.openxmlformats.org/officeDocument/2006/relationships" xmlns:p="http://schemas.openxmlformats.org/presentationml/2006/main">
-  <p:cSld>
-    <p:spTree>
-      <p:nvGrpSpPr>
-        <p:cNvPr id="1" name=""/>
-        <p:cNvGrpSpPr/>
-        <p:nvPr/>
-      </p:nvGrpSpPr>
-      <p:grpSpPr>
-        <a:xfrm>
-          <a:off x="0" y="0"/>
-          <a:ext cx="0" cy="0"/>
-          <a:chOff x="0" y="0"/>
-          <a:chExt cx="0" cy="0"/>
-        </a:xfrm>
-      </p:grpSpPr>
-      <p:sp>
-        <p:nvSpPr>
-          <p:cNvPr id="4" name="Rectangle 3">
-            <a:extLst>
-              <a:ext uri="{FF2B5EF4-FFF2-40B4-BE49-F238E27FC236}">
-                <a16:creationId xmlns:a16="http://schemas.microsoft.com/office/drawing/2014/main" id="{931CEABE-9698-462B-B2C1-5D135FAB320D}"/>
-              </a:ext>
-            </a:extLst>
-          </p:cNvPr>
-          <p:cNvSpPr/>
-          <p:nvPr/>
-        </p:nvSpPr>
-        <p:spPr>
-          <a:xfrm>
-            <a:off x="489735" y="113137"/>
-            <a:ext cx="11839254" cy="2031325"/>
-          </a:xfrm>
-          <a:prstGeom prst="rect">
-            <a:avLst/>
-          </a:prstGeom>
-        </p:spPr>
-        <p:txBody>
-          <a:bodyPr wrap="square">
-            <a:spAutoFit/>
-          </a:bodyPr>
-          <a:lstStyle/>
-          <a:p>
-            <a:r>
-              <a:rPr lang="en-US" dirty="0"/>
-              <a:t>It's a singleton class, and other threads can access the </a:t>
-            </a:r>
-            <a:r>
-              <a:rPr lang="en-US" dirty="0" err="1"/>
-              <a:t>JobExecutor</a:t>
-            </a:r>
-            <a:r>
-              <a:rPr lang="en-US" dirty="0"/>
-              <a:t> instance using the static Instance property and call the </a:t>
-            </a:r>
-            <a:r>
-              <a:rPr lang="en-US" dirty="0" err="1"/>
-              <a:t>AddJobsItems</a:t>
-            </a:r>
-            <a:r>
-              <a:rPr lang="en-US" dirty="0"/>
-              <a:t> method to add the list of jobs to be executed. The </a:t>
-            </a:r>
-            <a:r>
-              <a:rPr lang="en-US" dirty="0" err="1"/>
-              <a:t>CheckandExecuteJobBatch</a:t>
-            </a:r>
-            <a:r>
-              <a:rPr lang="en-US" dirty="0"/>
-              <a:t> method runs continuously and checks for new jobs in the list every 10 minutes. Or, if it is interrupted by the </a:t>
-            </a:r>
-            <a:r>
-              <a:rPr lang="en-US" dirty="0" err="1"/>
-              <a:t>AddJobsItems</a:t>
-            </a:r>
-            <a:r>
-              <a:rPr lang="en-US" dirty="0"/>
-              <a:t> method by calling the </a:t>
-            </a:r>
-            <a:r>
-              <a:rPr lang="en-US" dirty="0" err="1"/>
-              <a:t>Monitor.PulseAll</a:t>
-            </a:r>
-            <a:r>
-              <a:rPr lang="en-US" dirty="0"/>
-              <a:t> method, it will immediately move to the while statement and check for the items count. If the items are present, the </a:t>
-            </a:r>
-            <a:r>
-              <a:rPr lang="en-US" dirty="0" err="1"/>
-              <a:t>CheckandExecuteJobBatch</a:t>
-            </a:r>
-            <a:r>
-              <a:rPr lang="en-US" dirty="0"/>
-              <a:t> method calls the </a:t>
-            </a:r>
-            <a:r>
-              <a:rPr lang="en-US" dirty="0" err="1"/>
-              <a:t>ExecuteJob</a:t>
-            </a:r>
-            <a:r>
-              <a:rPr lang="en-US" dirty="0"/>
-              <a:t> method that runs that </a:t>
-            </a:r>
-            <a:r>
-              <a:rPr lang="en-US" dirty="0" err="1"/>
-              <a:t>job.Here</a:t>
-            </a:r>
-            <a:r>
-              <a:rPr lang="en-US" dirty="0"/>
-              <a:t> is the code snippet of the Job class containing two properties, namely </a:t>
-            </a:r>
-            <a:r>
-              <a:rPr lang="en-US" dirty="0" err="1"/>
-              <a:t>JobID</a:t>
-            </a:r>
-            <a:r>
-              <a:rPr lang="en-US" dirty="0"/>
-              <a:t> and </a:t>
-            </a:r>
-            <a:r>
-              <a:rPr lang="en-US" dirty="0" err="1"/>
-              <a:t>JobName</a:t>
-            </a:r>
-            <a:r>
-              <a:rPr lang="en-US" dirty="0"/>
-              <a:t>, and the DoSomething method that will print the </a:t>
-            </a:r>
-            <a:r>
-              <a:rPr lang="en-US" dirty="0" err="1"/>
-              <a:t>JobID</a:t>
-            </a:r>
-            <a:r>
-              <a:rPr lang="en-US" dirty="0"/>
-              <a:t> on the console:</a:t>
-            </a:r>
-          </a:p>
-        </p:txBody>
-      </p:sp>
-      <p:pic>
-        <p:nvPicPr>
-          <p:cNvPr id="5" name="Picture 4">
-            <a:extLst>
-              <a:ext uri="{FF2B5EF4-FFF2-40B4-BE49-F238E27FC236}">
-                <a16:creationId xmlns:a16="http://schemas.microsoft.com/office/drawing/2014/main" id="{4B3A7AC5-D8CB-4E69-BD54-EB7D76513178}"/>
-              </a:ext>
-            </a:extLst>
-          </p:cNvPr>
-          <p:cNvPicPr>
-            <a:picLocks noChangeAspect="1"/>
-          </p:cNvPicPr>
-          <p:nvPr/>
-        </p:nvPicPr>
-        <p:blipFill>
-          <a:blip r:embed="rId2"/>
-          <a:stretch>
-            <a:fillRect/>
-          </a:stretch>
-        </p:blipFill>
-        <p:spPr>
-          <a:xfrm>
-            <a:off x="682802" y="2478596"/>
-            <a:ext cx="8836810" cy="3901656"/>
-          </a:xfrm>
-          <a:prstGeom prst="rect">
-            <a:avLst/>
-          </a:prstGeom>
-        </p:spPr>
-      </p:pic>
-    </p:spTree>
-    <p:extLst>
-      <p:ext uri="{BB962C8B-B14F-4D97-AF65-F5344CB8AC3E}">
-        <p14:creationId xmlns:p14="http://schemas.microsoft.com/office/powerpoint/2010/main" val="98293423"/>
-      </p:ext>
-    </p:extLst>
-  </p:cSld>
-  <p:clrMapOvr>
-    <a:masterClrMapping/>
-  </p:clrMapOvr>
-</p:sld>
-</file>
-
-<file path=ppt/slides/slide21.xml><?xml version="1.0" encoding="utf-8"?>
-<p:sld xmlns:a="http://schemas.openxmlformats.org/drawingml/2006/main" xmlns:r="http://schemas.openxmlformats.org/officeDocument/2006/relationships" xmlns:p="http://schemas.openxmlformats.org/presentationml/2006/main">
-  <p:cSld>
-    <p:spTree>
-      <p:nvGrpSpPr>
-        <p:cNvPr id="1" name=""/>
-        <p:cNvGrpSpPr/>
-        <p:nvPr/>
-      </p:nvGrpSpPr>
-      <p:grpSpPr>
-        <a:xfrm>
-          <a:off x="0" y="0"/>
-          <a:ext cx="0" cy="0"/>
-          <a:chOff x="0" y="0"/>
-          <a:chExt cx="0" cy="0"/>
-        </a:xfrm>
-      </p:grpSpPr>
-      <p:sp>
-        <p:nvSpPr>
-          <p:cNvPr id="5" name="Rectangle 4">
-            <a:extLst>
-              <a:ext uri="{FF2B5EF4-FFF2-40B4-BE49-F238E27FC236}">
-                <a16:creationId xmlns:a16="http://schemas.microsoft.com/office/drawing/2014/main" id="{EAC04CFF-EA5D-408F-A39E-2FD3A8CCE687}"/>
-              </a:ext>
-            </a:extLst>
-          </p:cNvPr>
-          <p:cNvSpPr/>
-          <p:nvPr/>
-        </p:nvSpPr>
-        <p:spPr>
-          <a:xfrm>
-            <a:off x="551379" y="234409"/>
-            <a:ext cx="11551577" cy="646331"/>
-          </a:xfrm>
-          <a:prstGeom prst="rect">
-            <a:avLst/>
-          </a:prstGeom>
-        </p:spPr>
-        <p:txBody>
-          <a:bodyPr wrap="square">
-            <a:spAutoFit/>
-          </a:bodyPr>
-          <a:lstStyle/>
-          <a:p>
-            <a:r>
-              <a:rPr lang="en-US" dirty="0"/>
-              <a:t>Finally, on the main Program class, we can invoke three worker threads and one thread for </a:t>
-            </a:r>
-            <a:r>
-              <a:rPr lang="en-US" dirty="0" err="1"/>
-              <a:t>JobExecutor</a:t>
-            </a:r>
-            <a:r>
-              <a:rPr lang="en-US" dirty="0"/>
-              <a:t>, as shown in the following code:</a:t>
-            </a:r>
-          </a:p>
-        </p:txBody>
-      </p:sp>
-      <p:pic>
-        <p:nvPicPr>
-          <p:cNvPr id="6" name="Picture 5">
-            <a:extLst>
-              <a:ext uri="{FF2B5EF4-FFF2-40B4-BE49-F238E27FC236}">
-                <a16:creationId xmlns:a16="http://schemas.microsoft.com/office/drawing/2014/main" id="{253574D7-F854-4026-8724-9EE93FD477C9}"/>
-              </a:ext>
-            </a:extLst>
-          </p:cNvPr>
-          <p:cNvPicPr>
-            <a:picLocks noChangeAspect="1"/>
-          </p:cNvPicPr>
-          <p:nvPr/>
-        </p:nvPicPr>
-        <p:blipFill>
-          <a:blip r:embed="rId2"/>
-          <a:stretch>
-            <a:fillRect/>
-          </a:stretch>
-        </p:blipFill>
-        <p:spPr>
-          <a:xfrm>
-            <a:off x="628102" y="980948"/>
-            <a:ext cx="8279592" cy="5446729"/>
-          </a:xfrm>
-          <a:prstGeom prst="rect">
-            <a:avLst/>
-          </a:prstGeom>
-        </p:spPr>
-      </p:pic>
-    </p:spTree>
-    <p:extLst>
-      <p:ext uri="{BB962C8B-B14F-4D97-AF65-F5344CB8AC3E}">
-        <p14:creationId xmlns:p14="http://schemas.microsoft.com/office/powerpoint/2010/main" val="564666113"/>
-      </p:ext>
-    </p:extLst>
-  </p:cSld>
-  <p:clrMapOvr>
-    <a:masterClrMapping/>
-  </p:clrMapOvr>
-</p:sld>
-</file>
-
-<file path=ppt/slides/slide22.xml><?xml version="1.0" encoding="utf-8"?>
-<p:sld xmlns:a="http://schemas.openxmlformats.org/drawingml/2006/main" xmlns:r="http://schemas.openxmlformats.org/officeDocument/2006/relationships" xmlns:p="http://schemas.openxmlformats.org/presentationml/2006/main">
-  <p:cSld>
-    <p:spTree>
-      <p:nvGrpSpPr>
-        <p:cNvPr id="1" name=""/>
-        <p:cNvGrpSpPr/>
-        <p:nvPr/>
-      </p:nvGrpSpPr>
-      <p:grpSpPr>
-        <a:xfrm>
-          <a:off x="0" y="0"/>
-          <a:ext cx="0" cy="0"/>
-          <a:chOff x="0" y="0"/>
-          <a:chExt cx="0" cy="0"/>
-        </a:xfrm>
-      </p:grpSpPr>
-      <p:pic>
-        <p:nvPicPr>
-          <p:cNvPr id="4" name="Picture 3">
-            <a:extLst>
-              <a:ext uri="{FF2B5EF4-FFF2-40B4-BE49-F238E27FC236}">
-                <a16:creationId xmlns:a16="http://schemas.microsoft.com/office/drawing/2014/main" id="{7979056B-5692-4432-A945-CDAE6A213A49}"/>
-              </a:ext>
-            </a:extLst>
-          </p:cNvPr>
-          <p:cNvPicPr>
-            <a:picLocks noChangeAspect="1"/>
-          </p:cNvPicPr>
-          <p:nvPr/>
-        </p:nvPicPr>
-        <p:blipFill>
-          <a:blip r:embed="rId2"/>
-          <a:stretch>
-            <a:fillRect/>
-          </a:stretch>
-        </p:blipFill>
-        <p:spPr>
-          <a:xfrm>
-            <a:off x="552827" y="257834"/>
-            <a:ext cx="9556944" cy="6196703"/>
-          </a:xfrm>
-          <a:prstGeom prst="rect">
-            <a:avLst/>
-          </a:prstGeom>
-        </p:spPr>
-      </p:pic>
-    </p:spTree>
-    <p:extLst>
-      <p:ext uri="{BB962C8B-B14F-4D97-AF65-F5344CB8AC3E}">
-        <p14:creationId xmlns:p14="http://schemas.microsoft.com/office/powerpoint/2010/main" val="213026058"/>
-      </p:ext>
-    </p:extLst>
-  </p:cSld>
-  <p:clrMapOvr>
-    <a:masterClrMapping/>
-  </p:clrMapOvr>
-</p:sld>
-</file>
-
-<file path=ppt/slides/slide23.xml><?xml version="1.0" encoding="utf-8"?>
-<p:sld xmlns:a="http://schemas.openxmlformats.org/drawingml/2006/main" xmlns:r="http://schemas.openxmlformats.org/officeDocument/2006/relationships" xmlns:p="http://schemas.openxmlformats.org/presentationml/2006/main">
-  <p:cSld>
-    <p:spTree>
-      <p:nvGrpSpPr>
-        <p:cNvPr id="1" name=""/>
-        <p:cNvGrpSpPr/>
-        <p:nvPr/>
-      </p:nvGrpSpPr>
-      <p:grpSpPr>
-        <a:xfrm>
-          <a:off x="0" y="0"/>
-          <a:ext cx="0" cy="0"/>
-          <a:chOff x="0" y="0"/>
-          <a:chExt cx="0" cy="0"/>
-        </a:xfrm>
-      </p:grpSpPr>
-      <p:pic>
-        <p:nvPicPr>
-          <p:cNvPr id="4" name="Picture 3">
-            <a:extLst>
-              <a:ext uri="{FF2B5EF4-FFF2-40B4-BE49-F238E27FC236}">
-                <a16:creationId xmlns:a16="http://schemas.microsoft.com/office/drawing/2014/main" id="{DB540782-1EEB-4031-AB7C-16459AAF8C8F}"/>
-              </a:ext>
-            </a:extLst>
-          </p:cNvPr>
-          <p:cNvPicPr>
-            <a:picLocks noChangeAspect="1"/>
-          </p:cNvPicPr>
-          <p:nvPr/>
-        </p:nvPicPr>
-        <p:blipFill>
-          <a:blip r:embed="rId2"/>
-          <a:stretch>
-            <a:fillRect/>
-          </a:stretch>
-        </p:blipFill>
-        <p:spPr>
-          <a:xfrm>
-            <a:off x="592219" y="337106"/>
-            <a:ext cx="11584642" cy="5334229"/>
-          </a:xfrm>
-          <a:prstGeom prst="rect">
-            <a:avLst/>
-          </a:prstGeom>
-        </p:spPr>
-      </p:pic>
-    </p:spTree>
-    <p:extLst>
-      <p:ext uri="{BB962C8B-B14F-4D97-AF65-F5344CB8AC3E}">
-        <p14:creationId xmlns:p14="http://schemas.microsoft.com/office/powerpoint/2010/main" val="1710518182"/>
       </p:ext>
     </p:extLst>
   </p:cSld>
